--- a/Slides/01_Welcome.pptx
+++ b/Slides/01_Welcome.pptx
@@ -8,8 +8,9 @@
     <p:sldId id="256" r:id="rId2"/>
     <p:sldId id="258" r:id="rId3"/>
     <p:sldId id="257" r:id="rId4"/>
-    <p:sldId id="259" r:id="rId5"/>
-    <p:sldId id="260" r:id="rId6"/>
+    <p:sldId id="261" r:id="rId5"/>
+    <p:sldId id="259" r:id="rId6"/>
+    <p:sldId id="260" r:id="rId7"/>
   </p:sldIdLst>
   <p:sldSz cx="12192000" cy="6858000"/>
   <p:notesSz cx="6858000" cy="9144000"/>
@@ -108,6 +109,11 @@
       </a:defRPr>
     </a:lvl9pPr>
   </p:defaultTextStyle>
+  <p:extLst>
+    <p:ext uri="{EFAFB233-063F-42B5-8137-9DF3F51BA10A}">
+      <p15:sldGuideLst xmlns:p15="http://schemas.microsoft.com/office/powerpoint/2012/main"/>
+    </p:ext>
+  </p:extLst>
 </p:presentation>
 </file>
 
@@ -258,7 +264,7 @@
           <a:p>
             <a:fld id="{1C254CF3-BB96-467B-9BAD-F4A659A3F6EF}" type="datetimeFigureOut">
               <a:rPr lang="en-US" smtClean="0"/>
-              <a:t>12/20/2021</a:t>
+              <a:t>1/9/2022</a:t>
             </a:fld>
             <a:endParaRPr lang="en-US"/>
           </a:p>
@@ -456,7 +462,7 @@
           <a:p>
             <a:fld id="{1C254CF3-BB96-467B-9BAD-F4A659A3F6EF}" type="datetimeFigureOut">
               <a:rPr lang="en-US" smtClean="0"/>
-              <a:t>12/20/2021</a:t>
+              <a:t>1/9/2022</a:t>
             </a:fld>
             <a:endParaRPr lang="en-US"/>
           </a:p>
@@ -664,7 +670,7 @@
           <a:p>
             <a:fld id="{1C254CF3-BB96-467B-9BAD-F4A659A3F6EF}" type="datetimeFigureOut">
               <a:rPr lang="en-US" smtClean="0"/>
-              <a:t>12/20/2021</a:t>
+              <a:t>1/9/2022</a:t>
             </a:fld>
             <a:endParaRPr lang="en-US"/>
           </a:p>
@@ -862,7 +868,7 @@
           <a:p>
             <a:fld id="{1C254CF3-BB96-467B-9BAD-F4A659A3F6EF}" type="datetimeFigureOut">
               <a:rPr lang="en-US" smtClean="0"/>
-              <a:t>12/20/2021</a:t>
+              <a:t>1/9/2022</a:t>
             </a:fld>
             <a:endParaRPr lang="en-US"/>
           </a:p>
@@ -1137,7 +1143,7 @@
           <a:p>
             <a:fld id="{1C254CF3-BB96-467B-9BAD-F4A659A3F6EF}" type="datetimeFigureOut">
               <a:rPr lang="en-US" smtClean="0"/>
-              <a:t>12/20/2021</a:t>
+              <a:t>1/9/2022</a:t>
             </a:fld>
             <a:endParaRPr lang="en-US"/>
           </a:p>
@@ -1402,7 +1408,7 @@
           <a:p>
             <a:fld id="{1C254CF3-BB96-467B-9BAD-F4A659A3F6EF}" type="datetimeFigureOut">
               <a:rPr lang="en-US" smtClean="0"/>
-              <a:t>12/20/2021</a:t>
+              <a:t>1/9/2022</a:t>
             </a:fld>
             <a:endParaRPr lang="en-US"/>
           </a:p>
@@ -1814,7 +1820,7 @@
           <a:p>
             <a:fld id="{1C254CF3-BB96-467B-9BAD-F4A659A3F6EF}" type="datetimeFigureOut">
               <a:rPr lang="en-US" smtClean="0"/>
-              <a:t>12/20/2021</a:t>
+              <a:t>1/9/2022</a:t>
             </a:fld>
             <a:endParaRPr lang="en-US"/>
           </a:p>
@@ -1955,7 +1961,7 @@
           <a:p>
             <a:fld id="{1C254CF3-BB96-467B-9BAD-F4A659A3F6EF}" type="datetimeFigureOut">
               <a:rPr lang="en-US" smtClean="0"/>
-              <a:t>12/20/2021</a:t>
+              <a:t>1/9/2022</a:t>
             </a:fld>
             <a:endParaRPr lang="en-US"/>
           </a:p>
@@ -2068,7 +2074,7 @@
           <a:p>
             <a:fld id="{1C254CF3-BB96-467B-9BAD-F4A659A3F6EF}" type="datetimeFigureOut">
               <a:rPr lang="en-US" smtClean="0"/>
-              <a:t>12/20/2021</a:t>
+              <a:t>1/9/2022</a:t>
             </a:fld>
             <a:endParaRPr lang="en-US"/>
           </a:p>
@@ -2379,7 +2385,7 @@
           <a:p>
             <a:fld id="{1C254CF3-BB96-467B-9BAD-F4A659A3F6EF}" type="datetimeFigureOut">
               <a:rPr lang="en-US" smtClean="0"/>
-              <a:t>12/20/2021</a:t>
+              <a:t>1/9/2022</a:t>
             </a:fld>
             <a:endParaRPr lang="en-US"/>
           </a:p>
@@ -2667,7 +2673,7 @@
           <a:p>
             <a:fld id="{1C254CF3-BB96-467B-9BAD-F4A659A3F6EF}" type="datetimeFigureOut">
               <a:rPr lang="en-US" smtClean="0"/>
-              <a:t>12/20/2021</a:t>
+              <a:t>1/9/2022</a:t>
             </a:fld>
             <a:endParaRPr lang="en-US"/>
           </a:p>
@@ -2908,7 +2914,7 @@
           <a:p>
             <a:fld id="{1C254CF3-BB96-467B-9BAD-F4A659A3F6EF}" type="datetimeFigureOut">
               <a:rPr lang="en-US" smtClean="0"/>
-              <a:t>12/20/2021</a:t>
+              <a:t>1/9/2022</a:t>
             </a:fld>
             <a:endParaRPr lang="en-US"/>
           </a:p>
@@ -3460,7 +3466,58 @@
           <a:bodyPr/>
           <a:lstStyle/>
           <a:p>
+            <a:pPr marL="0" indent="0">
+              <a:buNone/>
+            </a:pPr>
+            <a:r>
+              <a:rPr lang="en-US" dirty="0"/>
+              <a:t>12-time Microsoft MVP</a:t>
+            </a:r>
+          </a:p>
+          <a:p>
+            <a:pPr marL="0" indent="0">
+              <a:buNone/>
+            </a:pPr>
+            <a:r>
+              <a:rPr lang="en-US" dirty="0"/>
+              <a:t>Independent Consultant</a:t>
+            </a:r>
+          </a:p>
+          <a:p>
+            <a:pPr marL="0" indent="0">
+              <a:buNone/>
+            </a:pPr>
             <a:endParaRPr lang="en-US" dirty="0"/>
+          </a:p>
+          <a:p>
+            <a:pPr marL="0" indent="0">
+              <a:buNone/>
+            </a:pPr>
+            <a:endParaRPr lang="en-US" dirty="0"/>
+          </a:p>
+          <a:p>
+            <a:pPr marL="0" indent="0">
+              <a:buNone/>
+            </a:pPr>
+            <a:endParaRPr lang="en-US" dirty="0"/>
+          </a:p>
+          <a:p>
+            <a:pPr marL="0" indent="0">
+              <a:buNone/>
+            </a:pPr>
+            <a:r>
+              <a:rPr lang="en-US" dirty="0"/>
+              <a:t>@1kevgriff</a:t>
+            </a:r>
+          </a:p>
+          <a:p>
+            <a:pPr marL="0" indent="0">
+              <a:buNone/>
+            </a:pPr>
+            <a:r>
+              <a:rPr lang="en-US" dirty="0"/>
+              <a:t>consultwithgriff.com</a:t>
+            </a:r>
           </a:p>
         </p:txBody>
       </p:sp>
@@ -3578,35 +3635,107 @@
           <a:bodyPr/>
           <a:lstStyle/>
           <a:p>
+            <a:pPr marL="0" indent="0">
+              <a:buNone/>
+            </a:pPr>
+            <a:r>
+              <a:rPr lang="en-US" dirty="0"/>
+              <a:t>Founder, Gibraltar Software</a:t>
+            </a:r>
+          </a:p>
+          <a:p>
+            <a:pPr marL="0" indent="0">
+              <a:buNone/>
+            </a:pPr>
             <a:endParaRPr lang="en-US" dirty="0"/>
           </a:p>
-        </p:txBody>
-      </p:sp>
-      <p:sp>
-        <p:nvSpPr>
-          <p:cNvPr id="5" name="Content Placeholder 4">
-            <a:extLst>
-              <a:ext uri="{FF2B5EF4-FFF2-40B4-BE49-F238E27FC236}">
-                <a16:creationId xmlns:a16="http://schemas.microsoft.com/office/drawing/2014/main" id="{D2D2F47C-489C-4FE1-8B28-A3228A3AB503}"/>
-              </a:ext>
-            </a:extLst>
-          </p:cNvPr>
-          <p:cNvSpPr>
-            <a:spLocks noGrp="1"/>
-          </p:cNvSpPr>
+          <a:p>
+            <a:pPr marL="0" indent="0">
+              <a:buNone/>
+            </a:pPr>
+            <a:endParaRPr lang="en-US" dirty="0"/>
+          </a:p>
+          <a:p>
+            <a:pPr marL="0" indent="0">
+              <a:buNone/>
+            </a:pPr>
+            <a:endParaRPr lang="en-US" dirty="0"/>
+          </a:p>
+          <a:p>
+            <a:pPr marL="0" indent="0">
+              <a:buNone/>
+            </a:pPr>
+            <a:endParaRPr lang="en-US" dirty="0"/>
+          </a:p>
+          <a:p>
+            <a:pPr marL="0" indent="0">
+              <a:buNone/>
+            </a:pPr>
+            <a:r>
+              <a:rPr lang="en-US" dirty="0"/>
+              <a:t>@kendallmiller</a:t>
+            </a:r>
+          </a:p>
+          <a:p>
+            <a:pPr marL="0" indent="0">
+              <a:buNone/>
+            </a:pPr>
+            <a:r>
+              <a:rPr lang="en-US" dirty="0"/>
+              <a:t>gibraltarsoftware.com</a:t>
+            </a:r>
+          </a:p>
+        </p:txBody>
+      </p:sp>
+      <p:pic>
+        <p:nvPicPr>
+          <p:cNvPr id="1026" name="Picture 2">
+            <a:extLst>
+              <a:ext uri="{FF2B5EF4-FFF2-40B4-BE49-F238E27FC236}">
+                <a16:creationId xmlns:a16="http://schemas.microsoft.com/office/drawing/2014/main" id="{C95F20EF-35BD-41C8-89EC-C09CEC7CE00D}"/>
+              </a:ext>
+            </a:extLst>
+          </p:cNvPr>
+          <p:cNvPicPr>
+            <a:picLocks noGrp="1" noChangeAspect="1" noChangeArrowheads="1"/>
+          </p:cNvPicPr>
           <p:nvPr>
             <p:ph sz="half" idx="2"/>
           </p:nvPr>
-        </p:nvSpPr>
-        <p:spPr/>
-        <p:txBody>
-          <a:bodyPr/>
-          <a:lstStyle/>
-          <a:p>
-            <a:endParaRPr lang="en-US"/>
-          </a:p>
-        </p:txBody>
-      </p:sp>
+        </p:nvPicPr>
+        <p:blipFill>
+          <a:blip r:embed="rId2">
+            <a:extLst>
+              <a:ext uri="{28A0092B-C50C-407E-A947-70E740481C1C}">
+                <a14:useLocalDpi xmlns:a14="http://schemas.microsoft.com/office/drawing/2010/main" val="0"/>
+              </a:ext>
+            </a:extLst>
+          </a:blip>
+          <a:srcRect/>
+          <a:stretch>
+            <a:fillRect/>
+          </a:stretch>
+        </p:blipFill>
+        <p:spPr bwMode="auto">
+          <a:xfrm>
+            <a:off x="6858000" y="2096294"/>
+            <a:ext cx="3810000" cy="3810000"/>
+          </a:xfrm>
+          <a:prstGeom prst="rect">
+            <a:avLst/>
+          </a:prstGeom>
+          <a:noFill/>
+          <a:extLst>
+            <a:ext uri="{909E8E84-426E-40DD-AFC4-6F175D3DCCD1}">
+              <a14:hiddenFill xmlns:a14="http://schemas.microsoft.com/office/drawing/2010/main">
+                <a:solidFill>
+                  <a:srgbClr val="FFFFFF"/>
+                </a:solidFill>
+              </a14:hiddenFill>
+            </a:ext>
+          </a:extLst>
+        </p:spPr>
+      </p:pic>
     </p:spTree>
     <p:extLst>
       <p:ext uri="{BB962C8B-B14F-4D97-AF65-F5344CB8AC3E}">
@@ -3637,6 +3766,83 @@
           <a:chExt cx="0" cy="0"/>
         </a:xfrm>
       </p:grpSpPr>
+      <p:pic>
+        <p:nvPicPr>
+          <p:cNvPr id="2050" name="Picture 2">
+            <a:extLst>
+              <a:ext uri="{FF2B5EF4-FFF2-40B4-BE49-F238E27FC236}">
+                <a16:creationId xmlns:a16="http://schemas.microsoft.com/office/drawing/2014/main" id="{182F7665-72DF-4E5F-A022-A9C9CEA45211}"/>
+              </a:ext>
+            </a:extLst>
+          </p:cNvPr>
+          <p:cNvPicPr>
+            <a:picLocks noChangeAspect="1" noChangeArrowheads="1"/>
+          </p:cNvPicPr>
+          <p:nvPr/>
+        </p:nvPicPr>
+        <p:blipFill>
+          <a:blip r:embed="rId2">
+            <a:extLst>
+              <a:ext uri="{28A0092B-C50C-407E-A947-70E740481C1C}">
+                <a14:useLocalDpi xmlns:a14="http://schemas.microsoft.com/office/drawing/2010/main" val="0"/>
+              </a:ext>
+            </a:extLst>
+          </a:blip>
+          <a:srcRect/>
+          <a:stretch>
+            <a:fillRect/>
+          </a:stretch>
+        </p:blipFill>
+        <p:spPr bwMode="auto">
+          <a:xfrm>
+            <a:off x="1886012" y="1060882"/>
+            <a:ext cx="8419976" cy="4736236"/>
+          </a:xfrm>
+          <a:prstGeom prst="rect">
+            <a:avLst/>
+          </a:prstGeom>
+          <a:noFill/>
+          <a:extLst>
+            <a:ext uri="{909E8E84-426E-40DD-AFC4-6F175D3DCCD1}">
+              <a14:hiddenFill xmlns:a14="http://schemas.microsoft.com/office/drawing/2010/main">
+                <a:solidFill>
+                  <a:srgbClr val="FFFFFF"/>
+                </a:solidFill>
+              </a14:hiddenFill>
+            </a:ext>
+          </a:extLst>
+        </p:spPr>
+      </p:pic>
+    </p:spTree>
+    <p:extLst>
+      <p:ext uri="{BB962C8B-B14F-4D97-AF65-F5344CB8AC3E}">
+        <p14:creationId xmlns:p14="http://schemas.microsoft.com/office/powerpoint/2010/main" val="117652654"/>
+      </p:ext>
+    </p:extLst>
+  </p:cSld>
+  <p:clrMapOvr>
+    <a:masterClrMapping/>
+  </p:clrMapOvr>
+</p:sld>
+</file>
+
+<file path=ppt/slides/slide5.xml><?xml version="1.0" encoding="utf-8"?>
+<p:sld xmlns:a="http://schemas.openxmlformats.org/drawingml/2006/main" xmlns:r="http://schemas.openxmlformats.org/officeDocument/2006/relationships" xmlns:p="http://schemas.openxmlformats.org/presentationml/2006/main">
+  <p:cSld>
+    <p:spTree>
+      <p:nvGrpSpPr>
+        <p:cNvPr id="1" name=""/>
+        <p:cNvGrpSpPr/>
+        <p:nvPr/>
+      </p:nvGrpSpPr>
+      <p:grpSpPr>
+        <a:xfrm>
+          <a:off x="0" y="0"/>
+          <a:ext cx="0" cy="0"/>
+          <a:chOff x="0" y="0"/>
+          <a:chExt cx="0" cy="0"/>
+        </a:xfrm>
+      </p:grpSpPr>
       <p:sp>
         <p:nvSpPr>
           <p:cNvPr id="2" name="Title 1">
@@ -3783,7 +3989,7 @@
           <a:p>
             <a:r>
               <a:rPr lang="en-US" dirty="0"/>
-              <a:t>LAB</a:t>
+              <a:t>LAB???</a:t>
             </a:r>
           </a:p>
         </p:txBody>
@@ -3801,7 +4007,7 @@
 </p:sld>
 </file>
 
-<file path=ppt/slides/slide5.xml><?xml version="1.0" encoding="utf-8"?>
+<file path=ppt/slides/slide6.xml><?xml version="1.0" encoding="utf-8"?>
 <p:sld xmlns:a="http://schemas.openxmlformats.org/drawingml/2006/main" xmlns:r="http://schemas.openxmlformats.org/officeDocument/2006/relationships" xmlns:p="http://schemas.openxmlformats.org/presentationml/2006/main">
   <p:cSld>
     <p:spTree>

--- a/Slides/01_Welcome.pptx
+++ b/Slides/01_Welcome.pptx
@@ -3897,7 +3897,7 @@
             </a:pPr>
             <a:r>
               <a:rPr lang="en-US" dirty="0"/>
-              <a:t>Part 1</a:t>
+              <a:t>Part 1 – Build It</a:t>
             </a:r>
           </a:p>
           <a:p>
@@ -3907,32 +3907,16 @@
             </a:r>
           </a:p>
           <a:p>
-            <a:pPr lvl="1"/>
             <a:r>
               <a:rPr lang="en-US" dirty="0"/>
-              <a:t>Async Processes</a:t>
-            </a:r>
-          </a:p>
-          <a:p>
-            <a:pPr lvl="1"/>
-            <a:r>
-              <a:rPr lang="en-US" dirty="0"/>
-              <a:t>Caching</a:t>
-            </a:r>
-          </a:p>
-          <a:p>
-            <a:pPr lvl="1"/>
-            <a:r>
-              <a:rPr lang="en-US" dirty="0"/>
-              <a:t>Distribution</a:t>
-            </a:r>
-          </a:p>
-          <a:p>
-            <a:pPr lvl="1"/>
-            <a:r>
-              <a:rPr lang="en-US" dirty="0"/>
-              <a:t>Consistency</a:t>
-            </a:r>
+              <a:t>LAB + Break</a:t>
+            </a:r>
+          </a:p>
+          <a:p>
+            <a:pPr marL="0" indent="0">
+              <a:buNone/>
+            </a:pPr>
+            <a:endParaRPr lang="en-US" dirty="0"/>
           </a:p>
           <a:p>
             <a:r>
@@ -3977,19 +3961,22 @@
             </a:pPr>
             <a:r>
               <a:rPr lang="en-US" dirty="0"/>
-              <a:t>Part 2</a:t>
+              <a:t>Part 2 – Ship It / See It</a:t>
             </a:r>
           </a:p>
           <a:p>
             <a:r>
               <a:rPr lang="en-US" dirty="0"/>
-              <a:t>DevOps Soup to Nuts</a:t>
-            </a:r>
+              <a:t>Shipping with Confidence</a:t>
+            </a:r>
+          </a:p>
+          <a:p>
+            <a:endParaRPr lang="en-US" dirty="0"/>
           </a:p>
           <a:p>
             <a:r>
               <a:rPr lang="en-US" dirty="0"/>
-              <a:t>LAB???</a:t>
+              <a:t>Real World Examples + Discussion</a:t>
             </a:r>
           </a:p>
         </p:txBody>
